--- a/2024-05-04to05-10 (A5) C384400 NASA/11_27v01_Base Camp Artemis_TechnologyTest.pptx
+++ b/2024-05-04to05-10 (A5) C384400 NASA/11_27v01_Base Camp Artemis_TechnologyTest.pptx
@@ -249,7 +249,7 @@
           <a:p>
             <a:fld id="{F319E496-E8FF-4856-B08F-DBE14D18B236}" type="datetimeFigureOut">
               <a:rPr lang="en-US" smtClean="0"/>
-              <a:t>7/13/2024</a:t>
+              <a:t>8/11/2024</a:t>
             </a:fld>
             <a:endParaRPr lang="en-US"/>
           </a:p>
@@ -426,7 +426,7 @@
           <a:p>
             <a:fld id="{4572F63B-EF0F-9942-98B2-F67CC88AF236}" type="datetimeFigureOut">
               <a:rPr lang="en-US" smtClean="0"/>
-              <a:t>7/13/2024</a:t>
+              <a:t>8/11/2024</a:t>
             </a:fld>
             <a:endParaRPr lang="en-US"/>
           </a:p>
@@ -1113,7 +1113,7 @@
               </a14:hiddenLine>
             </a:ext>
             <a:ext uri="{FAA26D3D-D897-4be2-8F04-BA451C77F1D7}">
-              <ma14:placeholderFlag xmlns="" xmlns:ma14="http://schemas.microsoft.com/office/mac/drawingml/2011/main" val="1"/>
+              <ma14:placeholderFlag xmlns:ma14="http://schemas.microsoft.com/office/mac/drawingml/2011/main" xmlns="" val="1"/>
             </a:ext>
           </a:extLst>
         </p:spPr>
@@ -1367,7 +1367,7 @@
               </a14:hiddenLine>
             </a:ext>
             <a:ext uri="{FAA26D3D-D897-4be2-8F04-BA451C77F1D7}">
-              <ma14:placeholderFlag xmlns="" xmlns:ma14="http://schemas.microsoft.com/office/mac/drawingml/2011/main" val="1"/>
+              <ma14:placeholderFlag xmlns:ma14="http://schemas.microsoft.com/office/mac/drawingml/2011/main" xmlns="" val="1"/>
             </a:ext>
           </a:extLst>
         </p:spPr>
@@ -1789,7 +1789,7 @@
               </a14:hiddenLine>
             </a:ext>
             <a:ext uri="{FAA26D3D-D897-4be2-8F04-BA451C77F1D7}">
-              <ma14:placeholderFlag xmlns="" xmlns:ma14="http://schemas.microsoft.com/office/mac/drawingml/2011/main" val="1"/>
+              <ma14:placeholderFlag xmlns:ma14="http://schemas.microsoft.com/office/mac/drawingml/2011/main" xmlns="" val="1"/>
             </a:ext>
           </a:extLst>
         </p:spPr>
@@ -2245,7 +2245,7 @@
               </a14:hiddenLine>
             </a:ext>
             <a:ext uri="{FAA26D3D-D897-4be2-8F04-BA451C77F1D7}">
-              <ma14:placeholderFlag xmlns="" xmlns:ma14="http://schemas.microsoft.com/office/mac/drawingml/2011/main" val="1"/>
+              <ma14:placeholderFlag xmlns:ma14="http://schemas.microsoft.com/office/mac/drawingml/2011/main" xmlns="" val="1"/>
             </a:ext>
           </a:extLst>
         </p:spPr>
@@ -5023,14 +5023,14 @@
           </a:ln>
           <a:extLst>
             <a:ext uri="{909E8E84-426E-40dd-AFC4-6F175D3DCCD1}">
-              <a14:hiddenFill xmlns:a14="http://schemas.microsoft.com/office/drawing/2010/main" xmlns="">
+              <a14:hiddenFill xmlns="" xmlns:a14="http://schemas.microsoft.com/office/drawing/2010/main">
                 <a:solidFill>
                   <a:schemeClr val="accent1"/>
                 </a:solidFill>
               </a14:hiddenFill>
             </a:ext>
             <a:ext uri="{91240B29-F687-4f45-9708-019B960494DF}">
-              <a14:hiddenLine xmlns:a14="http://schemas.microsoft.com/office/drawing/2010/main" xmlns="" w="9525">
+              <a14:hiddenLine xmlns="" xmlns:a14="http://schemas.microsoft.com/office/drawing/2010/main" w="9525">
                 <a:solidFill>
                   <a:schemeClr val="tx1"/>
                 </a:solidFill>
@@ -5567,7 +5567,7 @@
           <a:graphicData uri="http://schemas.openxmlformats.org/presentationml/2006/ole">
             <mc:AlternateContent xmlns:mc="http://schemas.openxmlformats.org/markup-compatibility/2006">
               <mc:Choice xmlns:v="urn:schemas-microsoft-com:vml" Requires="v">
-                <p:oleObj spid="_x0000_s1080" name="Macro-Enabled Worksheet" r:id="rId3" imgW="5196769" imgH="2918310" progId="Excel.SheetMacroEnabled.12">
+                <p:oleObj spid="_x0000_s1086" name="Macro-Enabled Worksheet" r:id="rId3" imgW="5196769" imgH="2918310" progId="Excel.SheetMacroEnabled.12">
                   <p:link updateAutomatic="1"/>
                 </p:oleObj>
               </mc:Choice>
@@ -5630,7 +5630,7 @@
           <a:graphicData uri="http://schemas.openxmlformats.org/presentationml/2006/ole">
             <mc:AlternateContent xmlns:mc="http://schemas.openxmlformats.org/markup-compatibility/2006">
               <mc:Choice xmlns:v="urn:schemas-microsoft-com:vml" Requires="v">
-                <p:oleObj spid="_x0000_s1081" name="Macro-Enabled Worksheet" r:id="rId5" imgW="5196769" imgH="670734" progId="Excel.SheetMacroEnabled.12">
+                <p:oleObj spid="_x0000_s1087" name="Macro-Enabled Worksheet" r:id="rId5" imgW="5196769" imgH="670734" progId="Excel.SheetMacroEnabled.12">
                   <p:link updateAutomatic="1"/>
                 </p:oleObj>
               </mc:Choice>
@@ -5693,7 +5693,7 @@
           <a:graphicData uri="http://schemas.openxmlformats.org/presentationml/2006/ole">
             <mc:AlternateContent xmlns:mc="http://schemas.openxmlformats.org/markup-compatibility/2006">
               <mc:Choice xmlns:v="urn:schemas-microsoft-com:vml" Requires="v">
-                <p:oleObj spid="_x0000_s1082" name="Macro-Enabled Worksheet" r:id="rId7" imgW="5196769" imgH="304879" progId="Excel.SheetMacroEnabled.12">
+                <p:oleObj spid="_x0000_s1088" name="Macro-Enabled Worksheet" r:id="rId7" imgW="5196769" imgH="304879" progId="Excel.SheetMacroEnabled.12">
                   <p:link updateAutomatic="1"/>
                 </p:oleObj>
               </mc:Choice>
@@ -7688,6 +7688,62 @@
           </a:effectLst>
         </p:spPr>
       </p:pic>
+      <p:sp>
+        <p:nvSpPr>
+          <p:cNvPr id="52" name="TextBox 51">
+            <a:extLst>
+              <a:ext uri="{FF2B5EF4-FFF2-40B4-BE49-F238E27FC236}">
+                <a16:creationId xmlns:a16="http://schemas.microsoft.com/office/drawing/2014/main" id="{382945E9-2F57-4420-BA56-8960D3908F35}"/>
+              </a:ext>
+            </a:extLst>
+          </p:cNvPr>
+          <p:cNvSpPr txBox="1"/>
+          <p:nvPr/>
+        </p:nvSpPr>
+        <p:spPr>
+          <a:xfrm>
+            <a:off x="10578021" y="999391"/>
+            <a:ext cx="1356866" cy="738664"/>
+          </a:xfrm>
+          <a:prstGeom prst="rect">
+            <a:avLst/>
+          </a:prstGeom>
+          <a:noFill/>
+          <a:ln>
+            <a:solidFill>
+              <a:srgbClr val="FF0000"/>
+            </a:solidFill>
+          </a:ln>
+        </p:spPr>
+        <p:txBody>
+          <a:bodyPr wrap="square">
+            <a:spAutoFit/>
+          </a:bodyPr>
+          <a:lstStyle/>
+          <a:p>
+            <a:pPr algn="ctr"/>
+            <a:r>
+              <a:rPr lang="en-US" sz="1400" dirty="0">
+                <a:solidFill>
+                  <a:srgbClr val="FF0000"/>
+                </a:solidFill>
+              </a:rPr>
+              <a:t>Registered PRC trademark</a:t>
+            </a:r>
+          </a:p>
+          <a:p>
+            <a:pPr algn="ctr"/>
+            <a:r>
+              <a:rPr lang="en-US" sz="1400" dirty="0">
+                <a:solidFill>
+                  <a:srgbClr val="FF0000"/>
+                </a:solidFill>
+              </a:rPr>
+              <a:t>21050449</a:t>
+            </a:r>
+          </a:p>
+        </p:txBody>
+      </p:sp>
     </p:spTree>
     <p:extLst>
       <p:ext uri="{BB962C8B-B14F-4D97-AF65-F5344CB8AC3E}">
@@ -8238,7 +8294,7 @@
           <a:graphicData uri="http://schemas.openxmlformats.org/presentationml/2006/ole">
             <mc:AlternateContent xmlns:mc="http://schemas.openxmlformats.org/markup-compatibility/2006">
               <mc:Choice xmlns:v="urn:schemas-microsoft-com:vml" Requires="v">
-                <p:oleObj spid="_x0000_s2068" name="Macro-Enabled Worksheet" r:id="rId4" imgW="8244911" imgH="1432718" progId="Excel.SheetMacroEnabled.12">
+                <p:oleObj spid="_x0000_s2070" name="Macro-Enabled Worksheet" r:id="rId4" imgW="8244911" imgH="1432718" progId="Excel.SheetMacroEnabled.12">
                   <p:link updateAutomatic="1"/>
                 </p:oleObj>
               </mc:Choice>
@@ -8331,7 +8387,7 @@
           <a:graphicData uri="http://schemas.openxmlformats.org/presentationml/2006/ole">
             <mc:AlternateContent xmlns:mc="http://schemas.openxmlformats.org/markup-compatibility/2006">
               <mc:Choice xmlns:v="urn:schemas-microsoft-com:vml" Requires="v">
-                <p:oleObj spid="_x0000_s3092" name="Macro-Enabled Worksheet" r:id="rId4" imgW="8244911" imgH="1584944" progId="Excel.SheetMacroEnabled.12">
+                <p:oleObj spid="_x0000_s3094" name="Macro-Enabled Worksheet" r:id="rId4" imgW="8244911" imgH="1584944" progId="Excel.SheetMacroEnabled.12">
                   <p:link updateAutomatic="1"/>
                 </p:oleObj>
               </mc:Choice>
@@ -8474,7 +8530,7 @@
           <a:graphicData uri="http://schemas.openxmlformats.org/presentationml/2006/ole">
             <mc:AlternateContent xmlns:mc="http://schemas.openxmlformats.org/markup-compatibility/2006">
               <mc:Choice xmlns:v="urn:schemas-microsoft-com:vml" Requires="v">
-                <p:oleObj spid="_x0000_s4116" name="Macro-Enabled Worksheet" r:id="rId4" imgW="8244911" imgH="2110701" progId="Excel.SheetMacroEnabled.12">
+                <p:oleObj spid="_x0000_s4118" name="Macro-Enabled Worksheet" r:id="rId4" imgW="8244911" imgH="2110701" progId="Excel.SheetMacroEnabled.12">
                   <p:link updateAutomatic="1"/>
                 </p:oleObj>
               </mc:Choice>
@@ -9998,21 +10054,6 @@
 </file>
 
 <file path=customXml/item1.xml><?xml version="1.0" encoding="utf-8"?>
-<?mso-contentType ?>
-<FormTemplates xmlns="http://schemas.microsoft.com/sharepoint/v3/contenttype/forms">
-  <Display>DocumentLibraryForm</Display>
-  <Edit>DocumentLibraryForm</Edit>
-  <New>DocumentLibraryForm</New>
-</FormTemplates>
-</file>
-
-<file path=customXml/item2.xml><?xml version="1.0" encoding="utf-8"?>
-<p:properties xmlns:p="http://schemas.microsoft.com/office/2006/metadata/properties" xmlns:xsi="http://www.w3.org/2001/XMLSchema-instance" xmlns:pc="http://schemas.microsoft.com/office/infopath/2007/PartnerControls">
-  <documentManagement/>
-</p:properties>
-</file>
-
-<file path=customXml/item3.xml><?xml version="1.0" encoding="utf-8"?>
 <ct:contentTypeSchema xmlns:ct="http://schemas.microsoft.com/office/2006/metadata/contentType" xmlns:ma="http://schemas.microsoft.com/office/2006/metadata/properties/metaAttributes" ct:_="" ma:_="" ma:contentTypeName="Document" ma:contentTypeID="0x0101001F513751AC33344AB32CFD2920EFE649" ma:contentTypeVersion="11" ma:contentTypeDescription="Create a new document." ma:contentTypeScope="" ma:versionID="683516f7d70434a0e4dbd6c476be8d5b">
   <xsd:schema xmlns:xsd="http://www.w3.org/2001/XMLSchema" xmlns:xs="http://www.w3.org/2001/XMLSchema" xmlns:p="http://schemas.microsoft.com/office/2006/metadata/properties" xmlns:ns2="72e3a154-4955-46c3-9573-e9dec3e1f195" xmlns:ns3="ec500478-62e0-46fc-87f1-cfa988e486b4" targetNamespace="http://schemas.microsoft.com/office/2006/metadata/properties" ma:root="true" ma:fieldsID="cf4a15c6a1eec5dbba94230cc6a50510" ns2:_="" ns3:_="">
     <xsd:import namespace="72e3a154-4955-46c3-9573-e9dec3e1f195"/>
@@ -10223,10 +10264,36 @@
 </ct:contentTypeSchema>
 </file>
 
+<file path=customXml/item2.xml><?xml version="1.0" encoding="utf-8"?>
+<p:properties xmlns:p="http://schemas.microsoft.com/office/2006/metadata/properties" xmlns:xsi="http://www.w3.org/2001/XMLSchema-instance" xmlns:pc="http://schemas.microsoft.com/office/infopath/2007/PartnerControls">
+  <documentManagement/>
+</p:properties>
+</file>
+
+<file path=customXml/item3.xml><?xml version="1.0" encoding="utf-8"?>
+<?mso-contentType ?>
+<FormTemplates xmlns="http://schemas.microsoft.com/sharepoint/v3/contenttype/forms">
+  <Display>DocumentLibraryForm</Display>
+  <Edit>DocumentLibraryForm</Edit>
+  <New>DocumentLibraryForm</New>
+</FormTemplates>
+</file>
+
 <file path=customXml/itemProps1.xml><?xml version="1.0" encoding="utf-8"?>
-<ds:datastoreItem xmlns:ds="http://schemas.openxmlformats.org/officeDocument/2006/customXml" ds:itemID="{B8B49826-D5EE-4D24-B649-7C3A19B527D2}">
+<ds:datastoreItem xmlns:ds="http://schemas.openxmlformats.org/officeDocument/2006/customXml" ds:itemID="{25EC7A36-1D41-49F4-BCB2-B864FE70D8E3}">
   <ds:schemaRefs>
-    <ds:schemaRef ds:uri="http://schemas.microsoft.com/sharepoint/v3/contenttype/forms"/>
+    <ds:schemaRef ds:uri="http://schemas.microsoft.com/office/2006/metadata/contentType"/>
+    <ds:schemaRef ds:uri="http://schemas.microsoft.com/office/2006/metadata/properties/metaAttributes"/>
+    <ds:schemaRef ds:uri="http://www.w3.org/2001/XMLSchema"/>
+    <ds:schemaRef ds:uri="http://schemas.microsoft.com/office/2006/metadata/properties"/>
+    <ds:schemaRef ds:uri="72e3a154-4955-46c3-9573-e9dec3e1f195"/>
+    <ds:schemaRef ds:uri="ec500478-62e0-46fc-87f1-cfa988e486b4"/>
+    <ds:schemaRef ds:uri="http://schemas.microsoft.com/office/2006/documentManagement/types"/>
+    <ds:schemaRef ds:uri="http://schemas.microsoft.com/office/infopath/2007/PartnerControls"/>
+    <ds:schemaRef ds:uri="http://schemas.openxmlformats.org/package/2006/metadata/core-properties"/>
+    <ds:schemaRef ds:uri="http://purl.org/dc/elements/1.1/"/>
+    <ds:schemaRef ds:uri="http://purl.org/dc/terms/"/>
+    <ds:schemaRef ds:uri="http://schemas.microsoft.com/internal/obd"/>
   </ds:schemaRefs>
 </ds:datastoreItem>
 </file>
@@ -10249,20 +10316,9 @@
 </file>
 
 <file path=customXml/itemProps3.xml><?xml version="1.0" encoding="utf-8"?>
-<ds:datastoreItem xmlns:ds="http://schemas.openxmlformats.org/officeDocument/2006/customXml" ds:itemID="{25EC7A36-1D41-49F4-BCB2-B864FE70D8E3}">
+<ds:datastoreItem xmlns:ds="http://schemas.openxmlformats.org/officeDocument/2006/customXml" ds:itemID="{B8B49826-D5EE-4D24-B649-7C3A19B527D2}">
   <ds:schemaRefs>
-    <ds:schemaRef ds:uri="http://schemas.microsoft.com/office/2006/metadata/contentType"/>
-    <ds:schemaRef ds:uri="http://schemas.microsoft.com/office/2006/metadata/properties/metaAttributes"/>
-    <ds:schemaRef ds:uri="http://www.w3.org/2001/XMLSchema"/>
-    <ds:schemaRef ds:uri="http://schemas.microsoft.com/office/2006/metadata/properties"/>
-    <ds:schemaRef ds:uri="72e3a154-4955-46c3-9573-e9dec3e1f195"/>
-    <ds:schemaRef ds:uri="ec500478-62e0-46fc-87f1-cfa988e486b4"/>
-    <ds:schemaRef ds:uri="http://schemas.microsoft.com/office/2006/documentManagement/types"/>
-    <ds:schemaRef ds:uri="http://schemas.microsoft.com/office/infopath/2007/PartnerControls"/>
-    <ds:schemaRef ds:uri="http://schemas.openxmlformats.org/package/2006/metadata/core-properties"/>
-    <ds:schemaRef ds:uri="http://purl.org/dc/elements/1.1/"/>
-    <ds:schemaRef ds:uri="http://purl.org/dc/terms/"/>
-    <ds:schemaRef ds:uri="http://schemas.microsoft.com/internal/obd"/>
+    <ds:schemaRef ds:uri="http://schemas.microsoft.com/sharepoint/v3/contenttype/forms"/>
   </ds:schemaRefs>
 </ds:datastoreItem>
 </file>